--- a/Sample.pptx
+++ b/Sample.pptx
@@ -7,14 +7,16 @@
   <p:sldIdLst>
     <p:sldId id="256" r:id="rId2"/>
     <p:sldId id="257" r:id="rId3"/>
-    <p:sldId id="258" r:id="rId4"/>
-    <p:sldId id="259" r:id="rId5"/>
-    <p:sldId id="261" r:id="rId6"/>
-    <p:sldId id="262" r:id="rId7"/>
-    <p:sldId id="263" r:id="rId8"/>
-    <p:sldId id="264" r:id="rId9"/>
-    <p:sldId id="260" r:id="rId10"/>
-    <p:sldId id="265" r:id="rId11"/>
+    <p:sldId id="266" r:id="rId4"/>
+    <p:sldId id="258" r:id="rId5"/>
+    <p:sldId id="259" r:id="rId6"/>
+    <p:sldId id="261" r:id="rId7"/>
+    <p:sldId id="262" r:id="rId8"/>
+    <p:sldId id="263" r:id="rId9"/>
+    <p:sldId id="267" r:id="rId10"/>
+    <p:sldId id="264" r:id="rId11"/>
+    <p:sldId id="260" r:id="rId12"/>
+    <p:sldId id="265" r:id="rId13"/>
   </p:sldIdLst>
   <p:sldSz cx="12192000" cy="6858000"/>
   <p:notesSz cx="6858000" cy="9144000"/>
@@ -113,6 +115,11 @@
       </a:defRPr>
     </a:lvl9pPr>
   </p:defaultTextStyle>
+  <p:extLst>
+    <p:ext uri="{EFAFB233-063F-42B5-8137-9DF3F51BA10A}">
+      <p15:sldGuideLst xmlns:p15="http://schemas.microsoft.com/office/powerpoint/2012/main"/>
+    </p:ext>
+  </p:extLst>
 </p:presentation>
 </file>
 
@@ -3480,6 +3487,280 @@
           <a:p>
             <a:r>
               <a:rPr lang="en-US" dirty="0"/>
+              <a:t>Transitions</a:t>
+            </a:r>
+          </a:p>
+        </p:txBody>
+      </p:sp>
+      <p:sp>
+        <p:nvSpPr>
+          <p:cNvPr id="3" name="Content Placeholder 2">
+            <a:extLst>
+              <a:ext uri="{FF2B5EF4-FFF2-40B4-BE49-F238E27FC236}">
+                <a16:creationId xmlns:a16="http://schemas.microsoft.com/office/drawing/2014/main" id="{2388F05A-5F01-BD7B-5C71-A7F84541BF88}"/>
+              </a:ext>
+            </a:extLst>
+          </p:cNvPr>
+          <p:cNvSpPr>
+            <a:spLocks noGrp="1"/>
+          </p:cNvSpPr>
+          <p:nvPr>
+            <p:ph idx="1"/>
+          </p:nvPr>
+        </p:nvSpPr>
+        <p:spPr/>
+        <p:txBody>
+          <a:bodyPr/>
+          <a:lstStyle/>
+          <a:p>
+            <a:r>
+              <a:rPr lang="en-US" b="0" i="0" dirty="0">
+                <a:effectLst/>
+                <a:latin typeface="Noto Sans" panose="020B0502040504020204" pitchFamily="34" charset="0"/>
+              </a:rPr>
+              <a:t>Morph </a:t>
+            </a:r>
+          </a:p>
+          <a:p>
+            <a:r>
+              <a:rPr lang="en-US" b="0" i="0" dirty="0">
+                <a:effectLst/>
+                <a:latin typeface="Noto Sans" panose="020B0502040504020204" pitchFamily="34" charset="0"/>
+              </a:rPr>
+              <a:t>Pan</a:t>
+            </a:r>
+            <a:endParaRPr lang="en-US" dirty="0"/>
+          </a:p>
+        </p:txBody>
+      </p:sp>
+      <p:pic>
+        <p:nvPicPr>
+          <p:cNvPr id="4" name="Picture 3" descr="A black background with a black square&#10;&#10;Description automatically generated with medium confidence">
+            <a:extLst>
+              <a:ext uri="{FF2B5EF4-FFF2-40B4-BE49-F238E27FC236}">
+                <a16:creationId xmlns:a16="http://schemas.microsoft.com/office/drawing/2014/main" id="{1353826A-FB9F-1915-AE59-C0861DB13AC4}"/>
+              </a:ext>
+            </a:extLst>
+          </p:cNvPr>
+          <p:cNvPicPr>
+            <a:picLocks noChangeAspect="1"/>
+          </p:cNvPicPr>
+          <p:nvPr/>
+        </p:nvPicPr>
+        <p:blipFill>
+          <a:blip r:embed="rId2">
+            <a:extLst>
+              <a:ext uri="{28A0092B-C50C-407E-A947-70E740481C1C}">
+                <a14:useLocalDpi xmlns:a14="http://schemas.microsoft.com/office/drawing/2010/main" val="0"/>
+              </a:ext>
+            </a:extLst>
+          </a:blip>
+          <a:stretch>
+            <a:fillRect/>
+          </a:stretch>
+        </p:blipFill>
+        <p:spPr>
+          <a:xfrm>
+            <a:off x="7922752" y="1981617"/>
+            <a:ext cx="2819400" cy="2857500"/>
+          </a:xfrm>
+          <a:prstGeom prst="rect">
+            <a:avLst/>
+          </a:prstGeom>
+        </p:spPr>
+      </p:pic>
+    </p:spTree>
+    <p:extLst>
+      <p:ext uri="{BB962C8B-B14F-4D97-AF65-F5344CB8AC3E}">
+        <p14:creationId xmlns:p14="http://schemas.microsoft.com/office/powerpoint/2010/main" val="1938984998"/>
+      </p:ext>
+    </p:extLst>
+  </p:cSld>
+  <p:clrMapOvr>
+    <a:masterClrMapping/>
+  </p:clrMapOvr>
+</p:sld>
+</file>
+
+<file path=ppt/slides/slide11.xml><?xml version="1.0" encoding="utf-8"?>
+<p:sld xmlns:a="http://schemas.openxmlformats.org/drawingml/2006/main" xmlns:r="http://schemas.openxmlformats.org/officeDocument/2006/relationships" xmlns:p="http://schemas.openxmlformats.org/presentationml/2006/main">
+  <p:cSld>
+    <p:spTree>
+      <p:nvGrpSpPr>
+        <p:cNvPr id="1" name=""/>
+        <p:cNvGrpSpPr/>
+        <p:nvPr/>
+      </p:nvGrpSpPr>
+      <p:grpSpPr>
+        <a:xfrm>
+          <a:off x="0" y="0"/>
+          <a:ext cx="0" cy="0"/>
+          <a:chOff x="0" y="0"/>
+          <a:chExt cx="0" cy="0"/>
+        </a:xfrm>
+      </p:grpSpPr>
+      <p:sp>
+        <p:nvSpPr>
+          <p:cNvPr id="2" name="Title 1">
+            <a:extLst>
+              <a:ext uri="{FF2B5EF4-FFF2-40B4-BE49-F238E27FC236}">
+                <a16:creationId xmlns:a16="http://schemas.microsoft.com/office/drawing/2014/main" id="{AF6177B2-1F3D-FD75-81F7-DB7D0C460C1D}"/>
+              </a:ext>
+            </a:extLst>
+          </p:cNvPr>
+          <p:cNvSpPr>
+            <a:spLocks noGrp="1"/>
+          </p:cNvSpPr>
+          <p:nvPr>
+            <p:ph type="title"/>
+          </p:nvPr>
+        </p:nvSpPr>
+        <p:spPr/>
+        <p:txBody>
+          <a:bodyPr/>
+          <a:lstStyle/>
+          <a:p>
+            <a:r>
+              <a:rPr lang="en-US" dirty="0"/>
+              <a:t>The IUB Animation</a:t>
+            </a:r>
+          </a:p>
+        </p:txBody>
+      </p:sp>
+      <p:pic>
+        <p:nvPicPr>
+          <p:cNvPr id="6" name="Picture Placeholder 5" descr="A large lawn with trees and buildings in the background&#10;&#10;Description automatically generated">
+            <a:extLst>
+              <a:ext uri="{FF2B5EF4-FFF2-40B4-BE49-F238E27FC236}">
+                <a16:creationId xmlns:a16="http://schemas.microsoft.com/office/drawing/2014/main" id="{14C3F8E0-F133-D956-90F5-54F06D07AC3E}"/>
+              </a:ext>
+            </a:extLst>
+          </p:cNvPr>
+          <p:cNvPicPr>
+            <a:picLocks noGrp="1" noChangeAspect="1"/>
+          </p:cNvPicPr>
+          <p:nvPr>
+            <p:ph type="pic" idx="1"/>
+          </p:nvPr>
+        </p:nvPicPr>
+        <p:blipFill>
+          <a:blip r:embed="rId2">
+            <a:extLst>
+              <a:ext uri="{28A0092B-C50C-407E-A947-70E740481C1C}">
+                <a14:useLocalDpi xmlns:a14="http://schemas.microsoft.com/office/drawing/2010/main" val="0"/>
+              </a:ext>
+            </a:extLst>
+          </a:blip>
+          <a:srcRect l="2508" r="2508"/>
+          <a:stretch>
+            <a:fillRect/>
+          </a:stretch>
+        </p:blipFill>
+        <p:spPr/>
+      </p:pic>
+      <p:sp>
+        <p:nvSpPr>
+          <p:cNvPr id="4" name="Text Placeholder 3">
+            <a:extLst>
+              <a:ext uri="{FF2B5EF4-FFF2-40B4-BE49-F238E27FC236}">
+                <a16:creationId xmlns:a16="http://schemas.microsoft.com/office/drawing/2014/main" id="{AA69B5DF-F20D-C982-DE5D-4CC8A23195DB}"/>
+              </a:ext>
+            </a:extLst>
+          </p:cNvPr>
+          <p:cNvSpPr>
+            <a:spLocks noGrp="1"/>
+          </p:cNvSpPr>
+          <p:nvPr>
+            <p:ph type="body" sz="half" idx="2"/>
+          </p:nvPr>
+        </p:nvSpPr>
+        <p:spPr/>
+        <p:txBody>
+          <a:bodyPr/>
+          <a:lstStyle/>
+          <a:p>
+            <a:pPr marL="285750" indent="-285750">
+              <a:buFont typeface="Arial" panose="020B0604020202020204" pitchFamily="34" charset="0"/>
+              <a:buChar char="•"/>
+            </a:pPr>
+            <a:r>
+              <a:rPr lang="en-US" dirty="0"/>
+              <a:t>The Islamia University of Bahawalpur, formerly known as Jamia </a:t>
+            </a:r>
+            <a:r>
+              <a:rPr lang="en-US" dirty="0" err="1"/>
+              <a:t>Abbasia</a:t>
+            </a:r>
+            <a:r>
+              <a:rPr lang="en-US" dirty="0"/>
+              <a:t>, is a public university located in Bahawalpur, Punjab, Pakistan. </a:t>
+            </a:r>
+          </a:p>
+          <a:p>
+            <a:pPr marL="285750" indent="-285750">
+              <a:buFont typeface="Arial" panose="020B0604020202020204" pitchFamily="34" charset="0"/>
+              <a:buChar char="•"/>
+            </a:pPr>
+            <a:r>
+              <a:rPr lang="en-US" dirty="0"/>
+              <a:t>It is the only government university of the division, which gives standard education in practical as well as in theoretical sense.</a:t>
+            </a:r>
+          </a:p>
+        </p:txBody>
+      </p:sp>
+    </p:spTree>
+    <p:extLst>
+      <p:ext uri="{BB962C8B-B14F-4D97-AF65-F5344CB8AC3E}">
+        <p14:creationId xmlns:p14="http://schemas.microsoft.com/office/powerpoint/2010/main" val="3130445160"/>
+      </p:ext>
+    </p:extLst>
+  </p:cSld>
+  <p:clrMapOvr>
+    <a:masterClrMapping/>
+  </p:clrMapOvr>
+</p:sld>
+</file>
+
+<file path=ppt/slides/slide12.xml><?xml version="1.0" encoding="utf-8"?>
+<p:sld xmlns:a="http://schemas.openxmlformats.org/drawingml/2006/main" xmlns:r="http://schemas.openxmlformats.org/officeDocument/2006/relationships" xmlns:p="http://schemas.openxmlformats.org/presentationml/2006/main">
+  <p:cSld>
+    <p:spTree>
+      <p:nvGrpSpPr>
+        <p:cNvPr id="1" name=""/>
+        <p:cNvGrpSpPr/>
+        <p:nvPr/>
+      </p:nvGrpSpPr>
+      <p:grpSpPr>
+        <a:xfrm>
+          <a:off x="0" y="0"/>
+          <a:ext cx="0" cy="0"/>
+          <a:chOff x="0" y="0"/>
+          <a:chExt cx="0" cy="0"/>
+        </a:xfrm>
+      </p:grpSpPr>
+      <p:sp>
+        <p:nvSpPr>
+          <p:cNvPr id="2" name="Title 1">
+            <a:extLst>
+              <a:ext uri="{FF2B5EF4-FFF2-40B4-BE49-F238E27FC236}">
+                <a16:creationId xmlns:a16="http://schemas.microsoft.com/office/drawing/2014/main" id="{3CB73EBB-D50C-9A48-277B-5ECB018495E9}"/>
+              </a:ext>
+            </a:extLst>
+          </p:cNvPr>
+          <p:cNvSpPr>
+            <a:spLocks noGrp="1"/>
+          </p:cNvSpPr>
+          <p:nvPr>
+            <p:ph type="title"/>
+          </p:nvPr>
+        </p:nvSpPr>
+        <p:spPr/>
+        <p:txBody>
+          <a:bodyPr/>
+          <a:lstStyle/>
+          <a:p>
+            <a:r>
+              <a:rPr lang="en-US" dirty="0"/>
               <a:t>ChatGPT to PPT</a:t>
             </a:r>
           </a:p>
@@ -3638,7 +3919,47 @@
           <a:p>
             <a:r>
               <a:rPr lang="en-US" dirty="0"/>
-              <a:t>Zoom Effect</a:t>
+              <a:t>Customer Feedback</a:t>
+            </a:r>
+          </a:p>
+        </p:txBody>
+      </p:sp>
+      <p:sp>
+        <p:nvSpPr>
+          <p:cNvPr id="3" name="Content Placeholder 2">
+            <a:extLst>
+              <a:ext uri="{FF2B5EF4-FFF2-40B4-BE49-F238E27FC236}">
+                <a16:creationId xmlns:a16="http://schemas.microsoft.com/office/drawing/2014/main" id="{65D39A6D-E693-9B43-6CEC-E232052D69D8}"/>
+              </a:ext>
+            </a:extLst>
+          </p:cNvPr>
+          <p:cNvSpPr>
+            <a:spLocks noGrp="1"/>
+          </p:cNvSpPr>
+          <p:nvPr>
+            <p:ph idx="1"/>
+          </p:nvPr>
+        </p:nvSpPr>
+        <p:spPr/>
+        <p:txBody>
+          <a:bodyPr/>
+          <a:lstStyle/>
+          <a:p>
+            <a:r>
+              <a:rPr lang="en-US" dirty="0"/>
+              <a:t>Rude</a:t>
+            </a:r>
+          </a:p>
+          <a:p>
+            <a:r>
+              <a:rPr lang="en-US" dirty="0"/>
+              <a:t>Expensive</a:t>
+            </a:r>
+          </a:p>
+          <a:p>
+            <a:r>
+              <a:rPr lang="en-US" dirty="0"/>
+              <a:t>Delicious</a:t>
             </a:r>
           </a:p>
         </p:txBody>
@@ -3657,6 +3978,64 @@
 </file>
 
 <file path=ppt/slides/slide3.xml><?xml version="1.0" encoding="utf-8"?>
+<p:sld xmlns:a="http://schemas.openxmlformats.org/drawingml/2006/main" xmlns:r="http://schemas.openxmlformats.org/officeDocument/2006/relationships" xmlns:p="http://schemas.openxmlformats.org/presentationml/2006/main">
+  <p:cSld>
+    <p:spTree>
+      <p:nvGrpSpPr>
+        <p:cNvPr id="1" name=""/>
+        <p:cNvGrpSpPr/>
+        <p:nvPr/>
+      </p:nvGrpSpPr>
+      <p:grpSpPr>
+        <a:xfrm>
+          <a:off x="0" y="0"/>
+          <a:ext cx="0" cy="0"/>
+          <a:chOff x="0" y="0"/>
+          <a:chExt cx="0" cy="0"/>
+        </a:xfrm>
+      </p:grpSpPr>
+      <p:sp>
+        <p:nvSpPr>
+          <p:cNvPr id="2" name="Title 1">
+            <a:extLst>
+              <a:ext uri="{FF2B5EF4-FFF2-40B4-BE49-F238E27FC236}">
+                <a16:creationId xmlns:a16="http://schemas.microsoft.com/office/drawing/2014/main" id="{A36B9F9A-8E93-C948-2C20-ED506C973D59}"/>
+              </a:ext>
+            </a:extLst>
+          </p:cNvPr>
+          <p:cNvSpPr>
+            <a:spLocks noGrp="1"/>
+          </p:cNvSpPr>
+          <p:nvPr>
+            <p:ph type="title"/>
+          </p:nvPr>
+        </p:nvSpPr>
+        <p:spPr/>
+        <p:txBody>
+          <a:bodyPr/>
+          <a:lstStyle/>
+          <a:p>
+            <a:r>
+              <a:rPr lang="en-US" dirty="0"/>
+              <a:t>Zoom Effect</a:t>
+            </a:r>
+          </a:p>
+        </p:txBody>
+      </p:sp>
+    </p:spTree>
+    <p:extLst>
+      <p:ext uri="{BB962C8B-B14F-4D97-AF65-F5344CB8AC3E}">
+        <p14:creationId xmlns:p14="http://schemas.microsoft.com/office/powerpoint/2010/main" val="1821204284"/>
+      </p:ext>
+    </p:extLst>
+  </p:cSld>
+  <p:clrMapOvr>
+    <a:masterClrMapping/>
+  </p:clrMapOvr>
+</p:sld>
+</file>
+
+<file path=ppt/slides/slide4.xml><?xml version="1.0" encoding="utf-8"?>
 <p:sld xmlns:a="http://schemas.openxmlformats.org/drawingml/2006/main" xmlns:r="http://schemas.openxmlformats.org/officeDocument/2006/relationships" xmlns:p="http://schemas.openxmlformats.org/presentationml/2006/main">
   <p:cSld>
     <p:bg>
@@ -3878,7 +4257,7 @@
 </p:sld>
 </file>
 
-<file path=ppt/slides/slide4.xml><?xml version="1.0" encoding="utf-8"?>
+<file path=ppt/slides/slide5.xml><?xml version="1.0" encoding="utf-8"?>
 <p:sld xmlns:a="http://schemas.openxmlformats.org/drawingml/2006/main" xmlns:r="http://schemas.openxmlformats.org/officeDocument/2006/relationships" xmlns:p="http://schemas.openxmlformats.org/presentationml/2006/main">
   <p:cSld>
     <p:bg>
@@ -4100,7 +4479,7 @@
 </p:sld>
 </file>
 
-<file path=ppt/slides/slide5.xml><?xml version="1.0" encoding="utf-8"?>
+<file path=ppt/slides/slide6.xml><?xml version="1.0" encoding="utf-8"?>
 <p:sld xmlns:a="http://schemas.openxmlformats.org/drawingml/2006/main" xmlns:r="http://schemas.openxmlformats.org/officeDocument/2006/relationships" xmlns:p="http://schemas.openxmlformats.org/presentationml/2006/main">
   <p:cSld>
     <p:spTree>
@@ -4199,7 +4578,7 @@
 </p:sld>
 </file>
 
-<file path=ppt/slides/slide6.xml><?xml version="1.0" encoding="utf-8"?>
+<file path=ppt/slides/slide7.xml><?xml version="1.0" encoding="utf-8"?>
 <p:sld xmlns:a="http://schemas.openxmlformats.org/drawingml/2006/main" xmlns:r="http://schemas.openxmlformats.org/officeDocument/2006/relationships" xmlns:p="http://schemas.openxmlformats.org/presentationml/2006/main">
   <p:cSld>
     <p:spTree>
@@ -4334,7 +4713,7 @@
 </p:sld>
 </file>
 
-<file path=ppt/slides/slide7.xml><?xml version="1.0" encoding="utf-8"?>
+<file path=ppt/slides/slide8.xml><?xml version="1.0" encoding="utf-8"?>
 <p:sld xmlns:a="http://schemas.openxmlformats.org/drawingml/2006/main" xmlns:r="http://schemas.openxmlformats.org/officeDocument/2006/relationships" xmlns:p="http://schemas.openxmlformats.org/presentationml/2006/main">
   <p:cSld>
     <p:spTree>
@@ -4469,9 +4848,17 @@
 </p:sld>
 </file>
 
-<file path=ppt/slides/slide8.xml><?xml version="1.0" encoding="utf-8"?>
+<file path=ppt/slides/slide9.xml><?xml version="1.0" encoding="utf-8"?>
 <p:sld xmlns:a="http://schemas.openxmlformats.org/drawingml/2006/main" xmlns:r="http://schemas.openxmlformats.org/officeDocument/2006/relationships" xmlns:p="http://schemas.openxmlformats.org/presentationml/2006/main">
   <p:cSld>
+    <p:bg>
+      <p:bgPr>
+        <a:solidFill>
+          <a:schemeClr val="bg1"/>
+        </a:solidFill>
+        <a:effectLst/>
+      </p:bgPr>
+    </p:bg>
     <p:spTree>
       <p:nvGrpSpPr>
         <p:cNvPr id="1" name=""/>
@@ -4488,258 +4875,589 @@
       </p:grpSpPr>
       <p:sp>
         <p:nvSpPr>
-          <p:cNvPr id="2" name="Title 1">
-            <a:extLst>
-              <a:ext uri="{FF2B5EF4-FFF2-40B4-BE49-F238E27FC236}">
-                <a16:creationId xmlns:a16="http://schemas.microsoft.com/office/drawing/2014/main" id="{3CB73EBB-D50C-9A48-277B-5ECB018495E9}"/>
-              </a:ext>
-            </a:extLst>
-          </p:cNvPr>
-          <p:cNvSpPr>
-            <a:spLocks noGrp="1"/>
-          </p:cNvSpPr>
-          <p:nvPr>
-            <p:ph type="title"/>
-          </p:nvPr>
-        </p:nvSpPr>
-        <p:spPr/>
-        <p:txBody>
-          <a:bodyPr/>
-          <a:lstStyle/>
-          <a:p>
-            <a:r>
-              <a:rPr lang="en-US" dirty="0"/>
-              <a:t>Transitions</a:t>
-            </a:r>
-          </a:p>
-        </p:txBody>
-      </p:sp>
-      <p:sp>
-        <p:nvSpPr>
-          <p:cNvPr id="3" name="Content Placeholder 2">
-            <a:extLst>
-              <a:ext uri="{FF2B5EF4-FFF2-40B4-BE49-F238E27FC236}">
-                <a16:creationId xmlns:a16="http://schemas.microsoft.com/office/drawing/2014/main" id="{2388F05A-5F01-BD7B-5C71-A7F84541BF88}"/>
-              </a:ext>
-            </a:extLst>
-          </p:cNvPr>
-          <p:cNvSpPr>
-            <a:spLocks noGrp="1"/>
-          </p:cNvSpPr>
-          <p:nvPr>
-            <p:ph idx="1"/>
-          </p:nvPr>
-        </p:nvSpPr>
-        <p:spPr/>
-        <p:txBody>
-          <a:bodyPr/>
-          <a:lstStyle/>
-          <a:p>
-            <a:r>
-              <a:rPr lang="en-US" b="0" i="0" dirty="0">
-                <a:effectLst/>
-                <a:latin typeface="Noto Sans" panose="020B0502040504020204" pitchFamily="34" charset="0"/>
-              </a:rPr>
-              <a:t>Morph </a:t>
-            </a:r>
-          </a:p>
-          <a:p>
-            <a:r>
-              <a:rPr lang="en-US" b="0" i="0" dirty="0">
-                <a:effectLst/>
-                <a:latin typeface="Noto Sans" panose="020B0502040504020204" pitchFamily="34" charset="0"/>
-              </a:rPr>
-              <a:t>Pan</a:t>
-            </a:r>
+          <p:cNvPr id="7" name="Rectangle 6">
+            <a:extLst>
+              <a:ext uri="{FF2B5EF4-FFF2-40B4-BE49-F238E27FC236}">
+                <a16:creationId xmlns:a16="http://schemas.microsoft.com/office/drawing/2014/main" id="{86FF76B9-219D-4469-AF87-0236D29032F1}"/>
+              </a:ext>
+              <a:ext uri="{C183D7F6-B498-43B3-948B-1728B52AA6E4}">
+                <adec:decorative xmlns:adec="http://schemas.microsoft.com/office/drawing/2017/decorative" val="1"/>
+              </a:ext>
+            </a:extLst>
+          </p:cNvPr>
+          <p:cNvSpPr>
+            <a:spLocks noGrp="1" noRot="1" noChangeAspect="1" noMove="1" noResize="1" noEditPoints="1" noAdjustHandles="1" noChangeArrowheads="1" noChangeShapeType="1" noTextEdit="1"/>
+          </p:cNvSpPr>
+          <p:nvPr>
+            <p:extLst>
+              <p:ext uri="{386F3935-93C4-4BCD-93E2-E3B085C9AB24}">
+                <p16:designElem xmlns:p16="http://schemas.microsoft.com/office/powerpoint/2015/main" val="1"/>
+              </p:ext>
+            </p:extLst>
+          </p:nvPr>
+        </p:nvSpPr>
+        <p:spPr>
+          <a:xfrm>
+            <a:off x="0" y="0"/>
+            <a:ext cx="12192000" cy="6858000"/>
+          </a:xfrm>
+          <a:prstGeom prst="rect">
+            <a:avLst/>
+          </a:prstGeom>
+          <a:solidFill>
+            <a:schemeClr val="bg1"/>
+          </a:solidFill>
+          <a:ln>
+            <a:noFill/>
+          </a:ln>
+        </p:spPr>
+        <p:style>
+          <a:lnRef idx="2">
+            <a:schemeClr val="accent1">
+              <a:shade val="50000"/>
+            </a:schemeClr>
+          </a:lnRef>
+          <a:fillRef idx="1">
+            <a:schemeClr val="accent1"/>
+          </a:fillRef>
+          <a:effectRef idx="0">
+            <a:schemeClr val="accent1"/>
+          </a:effectRef>
+          <a:fontRef idx="minor">
+            <a:schemeClr val="lt1"/>
+          </a:fontRef>
+        </p:style>
+        <p:txBody>
+          <a:bodyPr rtlCol="0" anchor="ctr"/>
+          <a:lstStyle/>
+          <a:p>
+            <a:pPr algn="ctr"/>
             <a:endParaRPr lang="en-US" dirty="0"/>
+          </a:p>
+        </p:txBody>
+      </p:sp>
+      <p:grpSp>
+        <p:nvGrpSpPr>
+          <p:cNvPr id="9" name="Group 8">
+            <a:extLst>
+              <a:ext uri="{FF2B5EF4-FFF2-40B4-BE49-F238E27FC236}">
+                <a16:creationId xmlns:a16="http://schemas.microsoft.com/office/drawing/2014/main" id="{DB88BD78-87E1-424D-B479-C37D8E41B12E}"/>
+              </a:ext>
+              <a:ext uri="{C183D7F6-B498-43B3-948B-1728B52AA6E4}">
+                <adec:decorative xmlns:adec="http://schemas.microsoft.com/office/drawing/2017/decorative" val="1"/>
+              </a:ext>
+            </a:extLst>
+          </p:cNvPr>
+          <p:cNvGrpSpPr>
+            <a:grpSpLocks noGrp="1" noUngrp="1" noRot="1" noChangeAspect="1" noMove="1" noResize="1"/>
+          </p:cNvGrpSpPr>
+          <p:nvPr>
+            <p:extLst>
+              <p:ext uri="{386F3935-93C4-4BCD-93E2-E3B085C9AB24}">
+                <p16:designElem xmlns:p16="http://schemas.microsoft.com/office/powerpoint/2015/main" val="1"/>
+              </p:ext>
+            </p:extLst>
+          </p:nvPr>
+        </p:nvGrpSpPr>
+        <p:grpSpPr>
+          <a:xfrm flipH="1">
+            <a:off x="10964637" y="2358"/>
+            <a:ext cx="1876653" cy="1766008"/>
+            <a:chOff x="-648769" y="2358"/>
+            <a:chExt cx="1876653" cy="1766008"/>
+          </a:xfrm>
+        </p:grpSpPr>
+        <p:sp>
+          <p:nvSpPr>
+            <p:cNvPr id="10" name="Freeform: Shape 9">
+              <a:extLst>
+                <a:ext uri="{FF2B5EF4-FFF2-40B4-BE49-F238E27FC236}">
+                  <a16:creationId xmlns:a16="http://schemas.microsoft.com/office/drawing/2014/main" id="{C05EB894-9410-4B20-95E4-7A25101AB895}"/>
+                </a:ext>
+                <a:ext uri="{C183D7F6-B498-43B3-948B-1728B52AA6E4}">
+                  <adec:decorative xmlns:adec="http://schemas.microsoft.com/office/drawing/2017/decorative" val="1"/>
+                </a:ext>
+              </a:extLst>
+            </p:cNvPr>
+            <p:cNvSpPr/>
+            <p:nvPr>
+              <p:extLst>
+                <p:ext uri="{386F3935-93C4-4BCD-93E2-E3B085C9AB24}">
+                  <p16:designElem xmlns:p16="http://schemas.microsoft.com/office/powerpoint/2015/main" val="1"/>
+                </p:ext>
+              </p:extLst>
+            </p:nvPr>
+          </p:nvSpPr>
+          <p:spPr>
+            <a:xfrm rot="2700000">
+              <a:off x="-415188" y="-231223"/>
+              <a:ext cx="1409491" cy="1876653"/>
+            </a:xfrm>
+            <a:custGeom>
+              <a:avLst/>
+              <a:gdLst>
+                <a:gd name="connsiteX0" fmla="*/ 0 w 1409491"/>
+                <a:gd name="connsiteY0" fmla="*/ 643075 h 1876653"/>
+                <a:gd name="connsiteX1" fmla="*/ 643075 w 1409491"/>
+                <a:gd name="connsiteY1" fmla="*/ 0 h 1876653"/>
+                <a:gd name="connsiteX2" fmla="*/ 1409491 w 1409491"/>
+                <a:gd name="connsiteY2" fmla="*/ 0 h 1876653"/>
+                <a:gd name="connsiteX3" fmla="*/ 1409491 w 1409491"/>
+                <a:gd name="connsiteY3" fmla="*/ 1876653 h 1876653"/>
+                <a:gd name="connsiteX4" fmla="*/ 1233578 w 1409491"/>
+                <a:gd name="connsiteY4" fmla="*/ 1876653 h 1876653"/>
+              </a:gdLst>
+              <a:ahLst/>
+              <a:cxnLst>
+                <a:cxn ang="0">
+                  <a:pos x="connsiteX0" y="connsiteY0"/>
+                </a:cxn>
+                <a:cxn ang="0">
+                  <a:pos x="connsiteX1" y="connsiteY1"/>
+                </a:cxn>
+                <a:cxn ang="0">
+                  <a:pos x="connsiteX2" y="connsiteY2"/>
+                </a:cxn>
+                <a:cxn ang="0">
+                  <a:pos x="connsiteX3" y="connsiteY3"/>
+                </a:cxn>
+                <a:cxn ang="0">
+                  <a:pos x="connsiteX4" y="connsiteY4"/>
+                </a:cxn>
+              </a:cxnLst>
+              <a:rect l="l" t="t" r="r" b="b"/>
+              <a:pathLst>
+                <a:path w="1409491" h="1876653">
+                  <a:moveTo>
+                    <a:pt x="0" y="643075"/>
+                  </a:moveTo>
+                  <a:lnTo>
+                    <a:pt x="643075" y="0"/>
+                  </a:lnTo>
+                  <a:lnTo>
+                    <a:pt x="1409491" y="0"/>
+                  </a:lnTo>
+                  <a:lnTo>
+                    <a:pt x="1409491" y="1876653"/>
+                  </a:lnTo>
+                  <a:lnTo>
+                    <a:pt x="1233578" y="1876653"/>
+                  </a:lnTo>
+                  <a:close/>
+                </a:path>
+              </a:pathLst>
+            </a:custGeom>
+            <a:solidFill>
+              <a:schemeClr val="accent1">
+                <a:alpha val="30000"/>
+              </a:schemeClr>
+            </a:solidFill>
+            <a:ln>
+              <a:noFill/>
+            </a:ln>
+          </p:spPr>
+          <p:style>
+            <a:lnRef idx="2">
+              <a:schemeClr val="accent1">
+                <a:shade val="50000"/>
+              </a:schemeClr>
+            </a:lnRef>
+            <a:fillRef idx="1">
+              <a:schemeClr val="accent1"/>
+            </a:fillRef>
+            <a:effectRef idx="0">
+              <a:schemeClr val="accent1"/>
+            </a:effectRef>
+            <a:fontRef idx="minor">
+              <a:schemeClr val="lt1"/>
+            </a:fontRef>
+          </p:style>
+          <p:txBody>
+            <a:bodyPr rtlCol="0" anchor="ctr"/>
+            <a:lstStyle/>
+            <a:p>
+              <a:pPr algn="ctr"/>
+              <a:endParaRPr lang="en-US"/>
+            </a:p>
+          </p:txBody>
+        </p:sp>
+        <p:sp>
+          <p:nvSpPr>
+            <p:cNvPr id="11" name="Rectangle 10">
+              <a:extLst>
+                <a:ext uri="{FF2B5EF4-FFF2-40B4-BE49-F238E27FC236}">
+                  <a16:creationId xmlns:a16="http://schemas.microsoft.com/office/drawing/2014/main" id="{166E38B6-B050-4340-8E8F-3A971DADC031}"/>
+                </a:ext>
+                <a:ext uri="{C183D7F6-B498-43B3-948B-1728B52AA6E4}">
+                  <adec:decorative xmlns:adec="http://schemas.microsoft.com/office/drawing/2017/decorative" val="1"/>
+                </a:ext>
+              </a:extLst>
+            </p:cNvPr>
+            <p:cNvSpPr/>
+            <p:nvPr>
+              <p:extLst>
+                <p:ext uri="{386F3935-93C4-4BCD-93E2-E3B085C9AB24}">
+                  <p16:designElem xmlns:p16="http://schemas.microsoft.com/office/powerpoint/2015/main" val="1"/>
+                </p:ext>
+              </p:extLst>
+            </p:nvPr>
+          </p:nvSpPr>
+          <p:spPr>
+            <a:xfrm rot="2700000">
+              <a:off x="301285" y="1282788"/>
+              <a:ext cx="485578" cy="485578"/>
+            </a:xfrm>
+            <a:prstGeom prst="rect">
+              <a:avLst/>
+            </a:prstGeom>
+            <a:solidFill>
+              <a:schemeClr val="accent1">
+                <a:alpha val="30000"/>
+              </a:schemeClr>
+            </a:solidFill>
+            <a:ln>
+              <a:noFill/>
+            </a:ln>
+          </p:spPr>
+          <p:style>
+            <a:lnRef idx="2">
+              <a:schemeClr val="accent1">
+                <a:shade val="50000"/>
+              </a:schemeClr>
+            </a:lnRef>
+            <a:fillRef idx="1">
+              <a:schemeClr val="accent1"/>
+            </a:fillRef>
+            <a:effectRef idx="0">
+              <a:schemeClr val="accent1"/>
+            </a:effectRef>
+            <a:fontRef idx="minor">
+              <a:schemeClr val="lt1"/>
+            </a:fontRef>
+          </p:style>
+          <p:txBody>
+            <a:bodyPr rtlCol="0" anchor="ctr"/>
+            <a:lstStyle/>
+            <a:p>
+              <a:pPr algn="ctr"/>
+              <a:endParaRPr lang="en-US"/>
+            </a:p>
+          </p:txBody>
+        </p:sp>
+      </p:grpSp>
+      <p:sp>
+        <p:nvSpPr>
+          <p:cNvPr id="13" name="Rectangle 12">
+            <a:extLst>
+              <a:ext uri="{FF2B5EF4-FFF2-40B4-BE49-F238E27FC236}">
+                <a16:creationId xmlns:a16="http://schemas.microsoft.com/office/drawing/2014/main" id="{2E80C965-DB6D-4F81-9E9E-B027384D0BD6}"/>
+              </a:ext>
+              <a:ext uri="{C183D7F6-B498-43B3-948B-1728B52AA6E4}">
+                <adec:decorative xmlns:adec="http://schemas.microsoft.com/office/drawing/2017/decorative" val="1"/>
+              </a:ext>
+            </a:extLst>
+          </p:cNvPr>
+          <p:cNvSpPr>
+            <a:spLocks noGrp="1" noRot="1" noChangeAspect="1" noMove="1" noResize="1" noEditPoints="1" noAdjustHandles="1" noChangeArrowheads="1" noChangeShapeType="1" noTextEdit="1"/>
+          </p:cNvSpPr>
+          <p:nvPr>
+            <p:extLst>
+              <p:ext uri="{386F3935-93C4-4BCD-93E2-E3B085C9AB24}">
+                <p16:designElem xmlns:p16="http://schemas.microsoft.com/office/powerpoint/2015/main" val="1"/>
+              </p:ext>
+            </p:extLst>
+          </p:nvPr>
+        </p:nvSpPr>
+        <p:spPr>
+          <a:xfrm rot="2700000">
+            <a:off x="2737196" y="6033666"/>
+            <a:ext cx="645368" cy="645368"/>
+          </a:xfrm>
+          <a:prstGeom prst="rect">
+            <a:avLst/>
+          </a:prstGeom>
+          <a:solidFill>
+            <a:schemeClr val="accent4">
+              <a:alpha val="30000"/>
+            </a:schemeClr>
+          </a:solidFill>
+          <a:ln>
+            <a:noFill/>
+          </a:ln>
+        </p:spPr>
+        <p:style>
+          <a:lnRef idx="2">
+            <a:schemeClr val="accent1">
+              <a:shade val="50000"/>
+            </a:schemeClr>
+          </a:lnRef>
+          <a:fillRef idx="1">
+            <a:schemeClr val="accent1"/>
+          </a:fillRef>
+          <a:effectRef idx="0">
+            <a:schemeClr val="accent1"/>
+          </a:effectRef>
+          <a:fontRef idx="minor">
+            <a:schemeClr val="lt1"/>
+          </a:fontRef>
+        </p:style>
+        <p:txBody>
+          <a:bodyPr rtlCol="0" anchor="ctr"/>
+          <a:lstStyle/>
+          <a:p>
+            <a:pPr algn="ctr"/>
+            <a:endParaRPr lang="en-US"/>
+          </a:p>
+        </p:txBody>
+      </p:sp>
+      <p:sp>
+        <p:nvSpPr>
+          <p:cNvPr id="15" name="Isosceles Triangle 14">
+            <a:extLst>
+              <a:ext uri="{FF2B5EF4-FFF2-40B4-BE49-F238E27FC236}">
+                <a16:creationId xmlns:a16="http://schemas.microsoft.com/office/drawing/2014/main" id="{633C5E46-DAC5-4661-9C87-22B08E2A512F}"/>
+              </a:ext>
+              <a:ext uri="{C183D7F6-B498-43B3-948B-1728B52AA6E4}">
+                <adec:decorative xmlns:adec="http://schemas.microsoft.com/office/drawing/2017/decorative" val="1"/>
+              </a:ext>
+            </a:extLst>
+          </p:cNvPr>
+          <p:cNvSpPr>
+            <a:spLocks noGrp="1" noRot="1" noChangeAspect="1" noMove="1" noResize="1" noEditPoints="1" noAdjustHandles="1" noChangeArrowheads="1" noChangeShapeType="1" noTextEdit="1"/>
+          </p:cNvSpPr>
+          <p:nvPr>
+            <p:extLst>
+              <p:ext uri="{386F3935-93C4-4BCD-93E2-E3B085C9AB24}">
+                <p16:designElem xmlns:p16="http://schemas.microsoft.com/office/powerpoint/2015/main" val="1"/>
+              </p:ext>
+            </p:extLst>
+          </p:nvPr>
+        </p:nvSpPr>
+        <p:spPr>
+          <a:xfrm>
+            <a:off x="1343436" y="5721108"/>
+            <a:ext cx="2261965" cy="1136891"/>
+          </a:xfrm>
+          <a:prstGeom prst="triangle">
+            <a:avLst>
+              <a:gd name="adj" fmla="val 50000"/>
+            </a:avLst>
+          </a:prstGeom>
+          <a:solidFill>
+            <a:schemeClr val="accent4">
+              <a:alpha val="30000"/>
+            </a:schemeClr>
+          </a:solidFill>
+          <a:ln>
+            <a:noFill/>
+          </a:ln>
+        </p:spPr>
+        <p:style>
+          <a:lnRef idx="2">
+            <a:schemeClr val="accent1">
+              <a:shade val="50000"/>
+            </a:schemeClr>
+          </a:lnRef>
+          <a:fillRef idx="1">
+            <a:schemeClr val="accent1"/>
+          </a:fillRef>
+          <a:effectRef idx="0">
+            <a:schemeClr val="accent1"/>
+          </a:effectRef>
+          <a:fontRef idx="minor">
+            <a:schemeClr val="lt1"/>
+          </a:fontRef>
+        </p:style>
+        <p:txBody>
+          <a:bodyPr rtlCol="0" anchor="ctr"/>
+          <a:lstStyle/>
+          <a:p>
+            <a:pPr algn="ctr"/>
+            <a:endParaRPr lang="en-US"/>
           </a:p>
         </p:txBody>
       </p:sp>
       <p:pic>
         <p:nvPicPr>
-          <p:cNvPr id="4" name="Picture 3" descr="A black background with a black square&#10;&#10;Description automatically generated with medium confidence">
-            <a:extLst>
-              <a:ext uri="{FF2B5EF4-FFF2-40B4-BE49-F238E27FC236}">
-                <a16:creationId xmlns:a16="http://schemas.microsoft.com/office/drawing/2014/main" id="{1353826A-FB9F-1915-AE59-C0861DB13AC4}"/>
+          <p:cNvPr id="2" name="Online Media 1" title="3 Cool Effects You Did NOT Think are Possible in PowerPoint | Morph">
+            <a:hlinkClick r:id="" action="ppaction://media"/>
+            <a:extLst>
+              <a:ext uri="{FF2B5EF4-FFF2-40B4-BE49-F238E27FC236}">
+                <a16:creationId xmlns:a16="http://schemas.microsoft.com/office/drawing/2014/main" id="{75AF2231-0012-C630-7889-63BC05A79A6D}"/>
               </a:ext>
             </a:extLst>
           </p:cNvPr>
           <p:cNvPicPr>
-            <a:picLocks noChangeAspect="1"/>
+            <a:picLocks noRot="1" noChangeAspect="1"/>
           </p:cNvPicPr>
-          <p:nvPr/>
+          <p:nvPr>
+            <a:videoFile r:link="rId1"/>
+          </p:nvPr>
         </p:nvPicPr>
         <p:blipFill>
-          <a:blip r:embed="rId2">
-            <a:extLst>
-              <a:ext uri="{28A0092B-C50C-407E-A947-70E740481C1C}">
-                <a14:useLocalDpi xmlns:a14="http://schemas.microsoft.com/office/drawing/2010/main" val="0"/>
-              </a:ext>
-            </a:extLst>
-          </a:blip>
+          <a:blip r:embed="rId3"/>
           <a:stretch>
             <a:fillRect/>
           </a:stretch>
         </p:blipFill>
         <p:spPr>
           <a:xfrm>
-            <a:off x="7922752" y="1981617"/>
-            <a:ext cx="2819400" cy="2857500"/>
+            <a:off x="1165854" y="643467"/>
+            <a:ext cx="9860292" cy="5571065"/>
           </a:xfrm>
           <a:prstGeom prst="rect">
             <a:avLst/>
           </a:prstGeom>
+          <a:ln>
+            <a:noFill/>
+          </a:ln>
         </p:spPr>
       </p:pic>
     </p:spTree>
     <p:extLst>
       <p:ext uri="{BB962C8B-B14F-4D97-AF65-F5344CB8AC3E}">
-        <p14:creationId xmlns:p14="http://schemas.microsoft.com/office/powerpoint/2010/main" val="1938984998"/>
+        <p14:creationId xmlns:p14="http://schemas.microsoft.com/office/powerpoint/2010/main" val="936423346"/>
       </p:ext>
     </p:extLst>
   </p:cSld>
   <p:clrMapOvr>
     <a:masterClrMapping/>
   </p:clrMapOvr>
-</p:sld>
-</file>
-
-<file path=ppt/slides/slide9.xml><?xml version="1.0" encoding="utf-8"?>
-<p:sld xmlns:a="http://schemas.openxmlformats.org/drawingml/2006/main" xmlns:r="http://schemas.openxmlformats.org/officeDocument/2006/relationships" xmlns:p="http://schemas.openxmlformats.org/presentationml/2006/main">
-  <p:cSld>
-    <p:spTree>
-      <p:nvGrpSpPr>
-        <p:cNvPr id="1" name=""/>
-        <p:cNvGrpSpPr/>
-        <p:nvPr/>
-      </p:nvGrpSpPr>
-      <p:grpSpPr>
-        <a:xfrm>
-          <a:off x="0" y="0"/>
-          <a:ext cx="0" cy="0"/>
-          <a:chOff x="0" y="0"/>
-          <a:chExt cx="0" cy="0"/>
-        </a:xfrm>
-      </p:grpSpPr>
-      <p:sp>
-        <p:nvSpPr>
-          <p:cNvPr id="2" name="Title 1">
-            <a:extLst>
-              <a:ext uri="{FF2B5EF4-FFF2-40B4-BE49-F238E27FC236}">
-                <a16:creationId xmlns:a16="http://schemas.microsoft.com/office/drawing/2014/main" id="{AF6177B2-1F3D-FD75-81F7-DB7D0C460C1D}"/>
-              </a:ext>
-            </a:extLst>
-          </p:cNvPr>
-          <p:cNvSpPr>
-            <a:spLocks noGrp="1"/>
-          </p:cNvSpPr>
-          <p:nvPr>
-            <p:ph type="title"/>
-          </p:nvPr>
-        </p:nvSpPr>
-        <p:spPr/>
-        <p:txBody>
-          <a:bodyPr/>
-          <a:lstStyle/>
-          <a:p>
-            <a:r>
-              <a:rPr lang="en-US" dirty="0"/>
-              <a:t>The IUB Animation</a:t>
-            </a:r>
-          </a:p>
-        </p:txBody>
-      </p:sp>
-      <p:pic>
-        <p:nvPicPr>
-          <p:cNvPr id="6" name="Picture Placeholder 5" descr="A large lawn with trees and buildings in the background&#10;&#10;Description automatically generated">
-            <a:extLst>
-              <a:ext uri="{FF2B5EF4-FFF2-40B4-BE49-F238E27FC236}">
-                <a16:creationId xmlns:a16="http://schemas.microsoft.com/office/drawing/2014/main" id="{14C3F8E0-F133-D956-90F5-54F06D07AC3E}"/>
-              </a:ext>
-            </a:extLst>
-          </p:cNvPr>
-          <p:cNvPicPr>
-            <a:picLocks noGrp="1" noChangeAspect="1"/>
-          </p:cNvPicPr>
-          <p:nvPr>
-            <p:ph type="pic" idx="1"/>
-          </p:nvPr>
-        </p:nvPicPr>
-        <p:blipFill>
-          <a:blip r:embed="rId2">
-            <a:extLst>
-              <a:ext uri="{28A0092B-C50C-407E-A947-70E740481C1C}">
-                <a14:useLocalDpi xmlns:a14="http://schemas.microsoft.com/office/drawing/2010/main" val="0"/>
-              </a:ext>
-            </a:extLst>
-          </a:blip>
-          <a:srcRect l="2508" r="2508"/>
-          <a:stretch>
-            <a:fillRect/>
-          </a:stretch>
-        </p:blipFill>
-        <p:spPr/>
-      </p:pic>
-      <p:sp>
-        <p:nvSpPr>
-          <p:cNvPr id="4" name="Text Placeholder 3">
-            <a:extLst>
-              <a:ext uri="{FF2B5EF4-FFF2-40B4-BE49-F238E27FC236}">
-                <a16:creationId xmlns:a16="http://schemas.microsoft.com/office/drawing/2014/main" id="{AA69B5DF-F20D-C982-DE5D-4CC8A23195DB}"/>
-              </a:ext>
-            </a:extLst>
-          </p:cNvPr>
-          <p:cNvSpPr>
-            <a:spLocks noGrp="1"/>
-          </p:cNvSpPr>
-          <p:nvPr>
-            <p:ph type="body" sz="half" idx="2"/>
-          </p:nvPr>
-        </p:nvSpPr>
-        <p:spPr/>
-        <p:txBody>
-          <a:bodyPr/>
-          <a:lstStyle/>
-          <a:p>
-            <a:pPr marL="285750" indent="-285750">
-              <a:buFont typeface="Arial" panose="020B0604020202020204" pitchFamily="34" charset="0"/>
-              <a:buChar char="•"/>
-            </a:pPr>
-            <a:r>
-              <a:rPr lang="en-US" dirty="0"/>
-              <a:t>The Islamia University of Bahawalpur, formerly known as Jamia </a:t>
-            </a:r>
-            <a:r>
-              <a:rPr lang="en-US" dirty="0" err="1"/>
-              <a:t>Abbasia</a:t>
-            </a:r>
-            <a:r>
-              <a:rPr lang="en-US" dirty="0"/>
-              <a:t>, is a public university located in Bahawalpur, Punjab, Pakistan. </a:t>
-            </a:r>
-          </a:p>
-          <a:p>
-            <a:pPr marL="285750" indent="-285750">
-              <a:buFont typeface="Arial" panose="020B0604020202020204" pitchFamily="34" charset="0"/>
-              <a:buChar char="•"/>
-            </a:pPr>
-            <a:r>
-              <a:rPr lang="en-US" dirty="0"/>
-              <a:t>It is the only government university of the division, which gives standard education in practical as well as in theoretical sense.</a:t>
-            </a:r>
-          </a:p>
-        </p:txBody>
-      </p:sp>
-    </p:spTree>
-    <p:extLst>
-      <p:ext uri="{BB962C8B-B14F-4D97-AF65-F5344CB8AC3E}">
-        <p14:creationId xmlns:p14="http://schemas.microsoft.com/office/powerpoint/2010/main" val="3130445160"/>
-      </p:ext>
-    </p:extLst>
-  </p:cSld>
-  <p:clrMapOvr>
-    <a:masterClrMapping/>
-  </p:clrMapOvr>
+  <p:timing>
+    <p:tnLst>
+      <p:par>
+        <p:cTn id="1" dur="indefinite" restart="never" nodeType="tmRoot">
+          <p:childTnLst>
+            <p:seq concurrent="1" nextAc="seek">
+              <p:cTn id="2" dur="indefinite" nodeType="mainSeq">
+                <p:childTnLst>
+                  <p:par>
+                    <p:cTn id="3" fill="hold">
+                      <p:stCondLst>
+                        <p:cond delay="indefinite"/>
+                      </p:stCondLst>
+                      <p:childTnLst>
+                        <p:par>
+                          <p:cTn id="4" fill="hold">
+                            <p:stCondLst>
+                              <p:cond delay="0"/>
+                            </p:stCondLst>
+                            <p:childTnLst>
+                              <p:par>
+                                <p:cTn id="5" presetID="1" presetClass="mediacall" presetSubtype="0" fill="hold" nodeType="clickEffect">
+                                  <p:stCondLst>
+                                    <p:cond delay="0"/>
+                                  </p:stCondLst>
+                                  <p:childTnLst>
+                                    <p:cmd type="call" cmd="playFrom(0.0)">
+                                      <p:cBhvr>
+                                        <p:cTn id="6" dur="1" fill="hold"/>
+                                        <p:tgtEl>
+                                          <p:spTgt spid="2"/>
+                                        </p:tgtEl>
+                                      </p:cBhvr>
+                                    </p:cmd>
+                                  </p:childTnLst>
+                                </p:cTn>
+                              </p:par>
+                            </p:childTnLst>
+                          </p:cTn>
+                        </p:par>
+                      </p:childTnLst>
+                    </p:cTn>
+                  </p:par>
+                </p:childTnLst>
+              </p:cTn>
+              <p:prevCondLst>
+                <p:cond evt="onPrev" delay="0">
+                  <p:tgtEl>
+                    <p:sldTgt/>
+                  </p:tgtEl>
+                </p:cond>
+              </p:prevCondLst>
+              <p:nextCondLst>
+                <p:cond evt="onNext" delay="0">
+                  <p:tgtEl>
+                    <p:sldTgt/>
+                  </p:tgtEl>
+                </p:cond>
+              </p:nextCondLst>
+            </p:seq>
+            <p:video>
+              <p:cMediaNode vol="80000">
+                <p:cTn id="7" fill="hold" display="0">
+                  <p:stCondLst>
+                    <p:cond delay="indefinite"/>
+                  </p:stCondLst>
+                </p:cTn>
+                <p:tgtEl>
+                  <p:spTgt spid="2"/>
+                </p:tgtEl>
+              </p:cMediaNode>
+            </p:video>
+            <p:seq concurrent="1" nextAc="seek">
+              <p:cTn id="8" restart="whenNotActive" fill="hold" evtFilter="cancelBubble" nodeType="interactiveSeq">
+                <p:stCondLst>
+                  <p:cond evt="onClick" delay="0">
+                    <p:tgtEl>
+                      <p:spTgt spid="2"/>
+                    </p:tgtEl>
+                  </p:cond>
+                </p:stCondLst>
+                <p:endSync evt="end" delay="0">
+                  <p:rtn val="all"/>
+                </p:endSync>
+                <p:childTnLst>
+                  <p:par>
+                    <p:cTn id="9" fill="hold">
+                      <p:stCondLst>
+                        <p:cond delay="0"/>
+                      </p:stCondLst>
+                      <p:childTnLst>
+                        <p:par>
+                          <p:cTn id="10" fill="hold">
+                            <p:stCondLst>
+                              <p:cond delay="0"/>
+                            </p:stCondLst>
+                            <p:childTnLst>
+                              <p:par>
+                                <p:cTn id="11" presetID="2" presetClass="mediacall" presetSubtype="0" fill="hold" nodeType="clickEffect">
+                                  <p:stCondLst>
+                                    <p:cond delay="0"/>
+                                  </p:stCondLst>
+                                  <p:childTnLst>
+                                    <p:cmd type="call" cmd="togglePause">
+                                      <p:cBhvr>
+                                        <p:cTn id="12" dur="1" fill="hold"/>
+                                        <p:tgtEl>
+                                          <p:spTgt spid="2"/>
+                                        </p:tgtEl>
+                                      </p:cBhvr>
+                                    </p:cmd>
+                                  </p:childTnLst>
+                                </p:cTn>
+                              </p:par>
+                            </p:childTnLst>
+                          </p:cTn>
+                        </p:par>
+                      </p:childTnLst>
+                    </p:cTn>
+                  </p:par>
+                </p:childTnLst>
+              </p:cTn>
+              <p:nextCondLst>
+                <p:cond evt="onClick" delay="0">
+                  <p:tgtEl>
+                    <p:spTgt spid="2"/>
+                  </p:tgtEl>
+                </p:cond>
+              </p:nextCondLst>
+            </p:seq>
+          </p:childTnLst>
+        </p:cTn>
+      </p:par>
+    </p:tnLst>
+  </p:timing>
 </p:sld>
 </file>
 
